--- a/Amazon-Smart-Lock-Data-Analysis.pptx
+++ b/Amazon-Smart-Lock-Data-Analysis.pptx
@@ -1976,6 +1976,70 @@
           </a:p>
         </p:txBody>
       </p:sp>
+      <p:sp>
+        <p:nvSpPr>
+          <p:cNvPr id="5" name="Rectangle 4">
+            <a:extLst>
+              <a:ext uri="{FF2B5EF4-FFF2-40B4-BE49-F238E27FC236}">
+                <a16:creationId xmlns:a16="http://schemas.microsoft.com/office/drawing/2014/main" id="{AF7D30E1-D3C6-483F-D5A8-6197D5D57F38}"/>
+              </a:ext>
+            </a:extLst>
+          </p:cNvPr>
+          <p:cNvSpPr/>
+          <p:nvPr/>
+        </p:nvSpPr>
+        <p:spPr>
+          <a:xfrm>
+            <a:off x="11915262" y="7339140"/>
+            <a:ext cx="2642839" cy="790099"/>
+          </a:xfrm>
+          <a:prstGeom prst="rect">
+            <a:avLst/>
+          </a:prstGeom>
+          <a:solidFill>
+            <a:schemeClr val="bg1"/>
+          </a:solidFill>
+          <a:ln>
+            <a:solidFill>
+              <a:schemeClr val="bg1"/>
+            </a:solidFill>
+          </a:ln>
+        </p:spPr>
+        <p:style>
+          <a:lnRef idx="2">
+            <a:schemeClr val="accent6"/>
+          </a:lnRef>
+          <a:fillRef idx="1">
+            <a:schemeClr val="lt1"/>
+          </a:fillRef>
+          <a:effectRef idx="0">
+            <a:schemeClr val="accent6"/>
+          </a:effectRef>
+          <a:fontRef idx="minor">
+            <a:schemeClr val="dk1"/>
+          </a:fontRef>
+        </p:style>
+        <p:txBody>
+          <a:bodyPr rtlCol="0" anchor="ctr"/>
+          <a:lstStyle/>
+          <a:p>
+            <a:pPr algn="ctr"/>
+            <a:endParaRPr lang="en-IN">
+              <a:ln w="0"/>
+              <a:solidFill>
+                <a:schemeClr val="tx1"/>
+              </a:solidFill>
+              <a:effectLst>
+                <a:outerShdw blurRad="38100" dist="19050" dir="2700000" algn="tl" rotWithShape="0">
+                  <a:schemeClr val="dk1">
+                    <a:alpha val="40000"/>
+                  </a:schemeClr>
+                </a:outerShdw>
+              </a:effectLst>
+            </a:endParaRPr>
+          </a:p>
+        </p:txBody>
+      </p:sp>
     </p:spTree>
   </p:cSld>
   <p:clrMapOvr>
@@ -2057,7 +2121,7 @@
         </p:nvSpPr>
         <p:spPr>
           <a:xfrm>
-            <a:off x="827961" y="3797022"/>
+            <a:off x="827961" y="3127225"/>
             <a:ext cx="8828842" cy="739378"/>
           </a:xfrm>
           <a:prstGeom prst="rect">
@@ -2085,7 +2149,7 @@
                 <a:ea typeface="Alice" pitchFamily="34" charset="-122"/>
                 <a:cs typeface="Alice" pitchFamily="34" charset="-120"/>
               </a:rPr>
-              <a:t>Price Distribution of Smart Locks</a:t>
+              <a:t>Price Distribution</a:t>
             </a:r>
             <a:endParaRPr lang="en-US" sz="4650" dirty="0"/>
           </a:p>
@@ -2099,7 +2163,7 @@
         </p:nvSpPr>
         <p:spPr>
           <a:xfrm>
-            <a:off x="827961" y="4891207"/>
+            <a:off x="827961" y="4114800"/>
             <a:ext cx="6369010" cy="2498765"/>
           </a:xfrm>
           <a:prstGeom prst="roundRect">
@@ -2128,7 +2192,7 @@
         </p:nvSpPr>
         <p:spPr>
           <a:xfrm>
-            <a:off x="1064538" y="5127784"/>
+            <a:off x="1064538" y="4342003"/>
             <a:ext cx="2957393" cy="369689"/>
           </a:xfrm>
           <a:prstGeom prst="rect">
@@ -2170,7 +2234,7 @@
         </p:nvSpPr>
         <p:spPr>
           <a:xfrm>
-            <a:off x="1064538" y="5639395"/>
+            <a:off x="1064538" y="4853614"/>
             <a:ext cx="5895856" cy="1513999"/>
           </a:xfrm>
           <a:prstGeom prst="rect">
@@ -2198,125 +2262,42 @@
                 <a:ea typeface="Lora" pitchFamily="34" charset="-122"/>
                 <a:cs typeface="Lora" pitchFamily="34" charset="-120"/>
               </a:rPr>
-              <a:t>The majority of smart locks are priced between ₹1,000 and ₹5,000. A significant number of locks are also available at a higher price range of ₹5,000 to ₹10,000, suggesting a premium market segment.</a:t>
+              <a:t>The majority of smart locks are priced between ₹5,000 and ₹10,000. A significant number of locks are also available at a higher price range of ₹10,000 to ₹15,000, suggesting a premium market segment.</a:t>
             </a:r>
             <a:endParaRPr lang="en-US" sz="1850" dirty="0"/>
           </a:p>
         </p:txBody>
       </p:sp>
-      <p:sp>
-        <p:nvSpPr>
-          <p:cNvPr id="8" name="Shape 4"/>
-          <p:cNvSpPr/>
-          <p:nvPr/>
-        </p:nvSpPr>
-        <p:spPr>
-          <a:xfrm>
-            <a:off x="7433548" y="4891207"/>
-            <a:ext cx="6369010" cy="2498765"/>
-          </a:xfrm>
-          <a:prstGeom prst="roundRect">
-            <a:avLst>
-              <a:gd name="adj" fmla="val 1420"/>
-            </a:avLst>
-          </a:prstGeom>
-          <a:solidFill>
-            <a:srgbClr val="F0EDE6"/>
-          </a:solidFill>
-          <a:ln/>
-        </p:spPr>
-        <p:txBody>
-          <a:bodyPr/>
-          <a:lstStyle/>
-          <a:p>
-            <a:endParaRPr lang="en-IN"/>
-          </a:p>
-        </p:txBody>
-      </p:sp>
-      <p:sp>
-        <p:nvSpPr>
-          <p:cNvPr id="9" name="Text 5"/>
-          <p:cNvSpPr/>
-          <p:nvPr/>
-        </p:nvSpPr>
-        <p:spPr>
-          <a:xfrm>
-            <a:off x="7670125" y="5127784"/>
-            <a:ext cx="2957393" cy="369689"/>
-          </a:xfrm>
-          <a:prstGeom prst="rect">
-            <a:avLst/>
-          </a:prstGeom>
-          <a:noFill/>
-          <a:ln/>
-        </p:spPr>
-        <p:txBody>
-          <a:bodyPr wrap="none" lIns="0" tIns="0" rIns="0" bIns="0" rtlCol="0" anchor="t"/>
-          <a:lstStyle/>
-          <a:p>
-            <a:pPr marL="0" indent="0">
-              <a:lnSpc>
-                <a:spcPts val="2900"/>
-              </a:lnSpc>
-              <a:buNone/>
-            </a:pPr>
-            <a:r>
-              <a:rPr lang="en-US" sz="2300" dirty="0">
-                <a:solidFill>
-                  <a:srgbClr val="2C2821"/>
-                </a:solidFill>
-                <a:latin typeface="Alice" pitchFamily="34" charset="0"/>
-                <a:ea typeface="Alice" pitchFamily="34" charset="-122"/>
-                <a:cs typeface="Alice" pitchFamily="34" charset="-120"/>
-              </a:rPr>
-              <a:t>Price Trends</a:t>
-            </a:r>
-            <a:endParaRPr lang="en-US" sz="2300" dirty="0"/>
-          </a:p>
-        </p:txBody>
-      </p:sp>
-      <p:sp>
-        <p:nvSpPr>
-          <p:cNvPr id="10" name="Text 6"/>
-          <p:cNvSpPr/>
-          <p:nvPr/>
-        </p:nvSpPr>
-        <p:spPr>
-          <a:xfrm>
-            <a:off x="7670125" y="5639395"/>
-            <a:ext cx="5895856" cy="1513999"/>
-          </a:xfrm>
-          <a:prstGeom prst="rect">
-            <a:avLst/>
-          </a:prstGeom>
-          <a:noFill/>
-          <a:ln/>
-        </p:spPr>
-        <p:txBody>
-          <a:bodyPr wrap="square" lIns="0" tIns="0" rIns="0" bIns="0" rtlCol="0" anchor="t"/>
-          <a:lstStyle/>
-          <a:p>
-            <a:pPr marL="0" indent="0">
-              <a:lnSpc>
-                <a:spcPts val="2950"/>
-              </a:lnSpc>
-              <a:buNone/>
-            </a:pPr>
-            <a:r>
-              <a:rPr lang="en-US" sz="1850" dirty="0">
-                <a:solidFill>
-                  <a:srgbClr val="2C2821"/>
-                </a:solidFill>
-                <a:latin typeface="Lora" pitchFamily="34" charset="0"/>
-                <a:ea typeface="Lora" pitchFamily="34" charset="-122"/>
-                <a:cs typeface="Lora" pitchFamily="34" charset="-120"/>
-              </a:rPr>
-              <a:t>The data reveals a slight upward trend in the average price of smart locks. This could indicate a growing demand for advanced features and higher-quality products.</a:t>
-            </a:r>
-            <a:endParaRPr lang="en-US" sz="1850" dirty="0"/>
-          </a:p>
-        </p:txBody>
-      </p:sp>
+      <p:pic>
+        <p:nvPicPr>
+          <p:cNvPr id="12" name="Picture 11" descr="A graph of different colored bars&#10;&#10;Description automatically generated">
+            <a:extLst>
+              <a:ext uri="{FF2B5EF4-FFF2-40B4-BE49-F238E27FC236}">
+                <a16:creationId xmlns:a16="http://schemas.microsoft.com/office/drawing/2014/main" id="{3F02625D-016E-A430-D5FD-4E66334AD3E7}"/>
+              </a:ext>
+            </a:extLst>
+          </p:cNvPr>
+          <p:cNvPicPr>
+            <a:picLocks noChangeAspect="1"/>
+          </p:cNvPicPr>
+          <p:nvPr/>
+        </p:nvPicPr>
+        <p:blipFill>
+          <a:blip r:embed="rId5"/>
+          <a:stretch>
+            <a:fillRect/>
+          </a:stretch>
+        </p:blipFill>
+        <p:spPr>
+          <a:xfrm>
+            <a:off x="7536194" y="2957393"/>
+            <a:ext cx="6889108" cy="5154731"/>
+          </a:xfrm>
+          <a:prstGeom prst="rect">
+            <a:avLst/>
+          </a:prstGeom>
+        </p:spPr>
+      </p:pic>
     </p:spTree>
   </p:cSld>
   <p:clrMapOvr>
@@ -2350,7 +2331,7 @@
         </p:nvSpPr>
         <p:spPr>
           <a:xfrm>
-            <a:off x="864037" y="1807964"/>
+            <a:off x="495955" y="246793"/>
             <a:ext cx="8533805" cy="771525"/>
           </a:xfrm>
           <a:prstGeom prst="rect">
@@ -2392,7 +2373,7 @@
         </p:nvSpPr>
         <p:spPr>
           <a:xfrm>
-            <a:off x="864037" y="3196590"/>
+            <a:off x="495955" y="1376602"/>
             <a:ext cx="3086100" cy="385763"/>
           </a:xfrm>
           <a:prstGeom prst="rect">
@@ -2434,7 +2415,7 @@
         </p:nvSpPr>
         <p:spPr>
           <a:xfrm>
-            <a:off x="864037" y="3829169"/>
+            <a:off x="475911" y="1863876"/>
             <a:ext cx="3898821" cy="1975247"/>
           </a:xfrm>
           <a:prstGeom prst="rect">
@@ -2476,7 +2457,7 @@
         </p:nvSpPr>
         <p:spPr>
           <a:xfrm>
-            <a:off x="5372695" y="3196590"/>
+            <a:off x="475911" y="4197407"/>
             <a:ext cx="3086100" cy="385763"/>
           </a:xfrm>
           <a:prstGeom prst="rect">
@@ -2518,7 +2499,7 @@
         </p:nvSpPr>
         <p:spPr>
           <a:xfrm>
-            <a:off x="5372695" y="3829169"/>
+            <a:off x="475911" y="4829986"/>
             <a:ext cx="3898821" cy="2370296"/>
           </a:xfrm>
           <a:prstGeom prst="rect">
@@ -2552,90 +2533,36 @@
           </a:p>
         </p:txBody>
       </p:sp>
-      <p:sp>
-        <p:nvSpPr>
-          <p:cNvPr id="7" name="Text 5"/>
-          <p:cNvSpPr/>
-          <p:nvPr/>
-        </p:nvSpPr>
-        <p:spPr>
-          <a:xfrm>
-            <a:off x="9881354" y="3196590"/>
-            <a:ext cx="3086100" cy="385763"/>
-          </a:xfrm>
-          <a:prstGeom prst="rect">
-            <a:avLst/>
-          </a:prstGeom>
-          <a:noFill/>
-          <a:ln/>
-        </p:spPr>
-        <p:txBody>
-          <a:bodyPr wrap="none" lIns="0" tIns="0" rIns="0" bIns="0" rtlCol="0" anchor="t"/>
-          <a:lstStyle/>
-          <a:p>
-            <a:pPr marL="0" indent="0">
-              <a:lnSpc>
-                <a:spcPts val="3000"/>
-              </a:lnSpc>
-              <a:buNone/>
-            </a:pPr>
-            <a:r>
-              <a:rPr lang="en-US" sz="2400" dirty="0">
-                <a:solidFill>
-                  <a:srgbClr val="233E32"/>
-                </a:solidFill>
-                <a:latin typeface="Alice" pitchFamily="34" charset="0"/>
-                <a:ea typeface="Alice" pitchFamily="34" charset="-122"/>
-                <a:cs typeface="Alice" pitchFamily="34" charset="-120"/>
-              </a:rPr>
-              <a:t>Key Features</a:t>
-            </a:r>
-            <a:endParaRPr lang="en-US" sz="2400" dirty="0"/>
-          </a:p>
-        </p:txBody>
-      </p:sp>
-      <p:sp>
-        <p:nvSpPr>
-          <p:cNvPr id="8" name="Text 6"/>
-          <p:cNvSpPr/>
-          <p:nvPr/>
-        </p:nvSpPr>
-        <p:spPr>
-          <a:xfrm>
-            <a:off x="9881354" y="3829169"/>
-            <a:ext cx="3898821" cy="1580198"/>
-          </a:xfrm>
-          <a:prstGeom prst="rect">
-            <a:avLst/>
-          </a:prstGeom>
-          <a:noFill/>
-          <a:ln/>
-        </p:spPr>
-        <p:txBody>
-          <a:bodyPr wrap="square" lIns="0" tIns="0" rIns="0" bIns="0" rtlCol="0" anchor="t"/>
-          <a:lstStyle/>
-          <a:p>
-            <a:pPr marL="0" indent="0">
-              <a:lnSpc>
-                <a:spcPts val="3100"/>
-              </a:lnSpc>
-              <a:buNone/>
-            </a:pPr>
-            <a:r>
-              <a:rPr lang="en-US" sz="1900" dirty="0">
-                <a:solidFill>
-                  <a:srgbClr val="2C2821"/>
-                </a:solidFill>
-                <a:latin typeface="Lora" pitchFamily="34" charset="0"/>
-                <a:ea typeface="Lora" pitchFamily="34" charset="-122"/>
-                <a:cs typeface="Lora" pitchFamily="34" charset="-120"/>
-              </a:rPr>
-              <a:t>Popular features mentioned in reviews include ease of use, remote access, and compatibility with smart home ecosystems.</a:t>
-            </a:r>
-            <a:endParaRPr lang="en-US" sz="1900" dirty="0"/>
-          </a:p>
-        </p:txBody>
-      </p:sp>
+      <p:pic>
+        <p:nvPicPr>
+          <p:cNvPr id="14" name="Picture 13" descr="A graph with colored dots">
+            <a:extLst>
+              <a:ext uri="{FF2B5EF4-FFF2-40B4-BE49-F238E27FC236}">
+                <a16:creationId xmlns:a16="http://schemas.microsoft.com/office/drawing/2014/main" id="{2216CABE-C71E-F2F0-6D43-ED72DE624576}"/>
+              </a:ext>
+            </a:extLst>
+          </p:cNvPr>
+          <p:cNvPicPr>
+            <a:picLocks noChangeAspect="1"/>
+          </p:cNvPicPr>
+          <p:nvPr/>
+        </p:nvPicPr>
+        <p:blipFill>
+          <a:blip r:embed="rId3"/>
+          <a:stretch>
+            <a:fillRect/>
+          </a:stretch>
+        </p:blipFill>
+        <p:spPr>
+          <a:xfrm>
+            <a:off x="4635583" y="1762365"/>
+            <a:ext cx="9994817" cy="6467235"/>
+          </a:xfrm>
+          <a:prstGeom prst="rect">
+            <a:avLst/>
+          </a:prstGeom>
+        </p:spPr>
+      </p:pic>
     </p:spTree>
   </p:cSld>
   <p:clrMapOvr>
@@ -3350,6 +3277,55 @@
           </a:p>
         </p:txBody>
       </p:sp>
+      <p:sp>
+        <p:nvSpPr>
+          <p:cNvPr id="21" name="Rectangle 20">
+            <a:extLst>
+              <a:ext uri="{FF2B5EF4-FFF2-40B4-BE49-F238E27FC236}">
+                <a16:creationId xmlns:a16="http://schemas.microsoft.com/office/drawing/2014/main" id="{1741B98D-6B8A-9914-A4E4-1A1450E25A36}"/>
+              </a:ext>
+            </a:extLst>
+          </p:cNvPr>
+          <p:cNvSpPr/>
+          <p:nvPr/>
+        </p:nvSpPr>
+        <p:spPr>
+          <a:xfrm>
+            <a:off x="12377854" y="7326351"/>
+            <a:ext cx="2174487" cy="780586"/>
+          </a:xfrm>
+          <a:prstGeom prst="rect">
+            <a:avLst/>
+          </a:prstGeom>
+          <a:ln>
+            <a:solidFill>
+              <a:schemeClr val="bg1"/>
+            </a:solidFill>
+          </a:ln>
+        </p:spPr>
+        <p:style>
+          <a:lnRef idx="2">
+            <a:schemeClr val="accent6"/>
+          </a:lnRef>
+          <a:fillRef idx="1">
+            <a:schemeClr val="lt1"/>
+          </a:fillRef>
+          <a:effectRef idx="0">
+            <a:schemeClr val="accent6"/>
+          </a:effectRef>
+          <a:fontRef idx="minor">
+            <a:schemeClr val="dk1"/>
+          </a:fontRef>
+        </p:style>
+        <p:txBody>
+          <a:bodyPr rtlCol="0" anchor="ctr"/>
+          <a:lstStyle/>
+          <a:p>
+            <a:pPr algn="ctr"/>
+            <a:endParaRPr lang="en-IN"/>
+          </a:p>
+        </p:txBody>
+      </p:sp>
     </p:spTree>
   </p:cSld>
   <p:clrMapOvr>
@@ -4061,6 +4037,55 @@
           </a:p>
         </p:txBody>
       </p:sp>
+      <p:sp>
+        <p:nvSpPr>
+          <p:cNvPr id="20" name="Rectangle 19">
+            <a:extLst>
+              <a:ext uri="{FF2B5EF4-FFF2-40B4-BE49-F238E27FC236}">
+                <a16:creationId xmlns:a16="http://schemas.microsoft.com/office/drawing/2014/main" id="{765C35B4-9434-68FF-D5FE-F0F1678FF2E9}"/>
+              </a:ext>
+            </a:extLst>
+          </p:cNvPr>
+          <p:cNvSpPr/>
+          <p:nvPr/>
+        </p:nvSpPr>
+        <p:spPr>
+          <a:xfrm>
+            <a:off x="12790449" y="7705493"/>
+            <a:ext cx="1728439" cy="434897"/>
+          </a:xfrm>
+          <a:prstGeom prst="rect">
+            <a:avLst/>
+          </a:prstGeom>
+          <a:ln>
+            <a:solidFill>
+              <a:schemeClr val="bg1"/>
+            </a:solidFill>
+          </a:ln>
+        </p:spPr>
+        <p:style>
+          <a:lnRef idx="2">
+            <a:schemeClr val="accent6"/>
+          </a:lnRef>
+          <a:fillRef idx="1">
+            <a:schemeClr val="lt1"/>
+          </a:fillRef>
+          <a:effectRef idx="0">
+            <a:schemeClr val="accent6"/>
+          </a:effectRef>
+          <a:fontRef idx="minor">
+            <a:schemeClr val="dk1"/>
+          </a:fontRef>
+        </p:style>
+        <p:txBody>
+          <a:bodyPr rtlCol="0" anchor="ctr"/>
+          <a:lstStyle/>
+          <a:p>
+            <a:pPr algn="ctr"/>
+            <a:endParaRPr lang="en-IN"/>
+          </a:p>
+        </p:txBody>
+      </p:sp>
     </p:spTree>
   </p:cSld>
   <p:clrMapOvr>
@@ -4449,6 +4474,55 @@
               <a:t>Features like tamper alarms and anti-pick mechanisms deter unauthorized access.</a:t>
             </a:r>
             <a:endParaRPr lang="en-US" sz="1850" dirty="0"/>
+          </a:p>
+        </p:txBody>
+      </p:sp>
+      <p:sp>
+        <p:nvSpPr>
+          <p:cNvPr id="12" name="Rectangle 11">
+            <a:extLst>
+              <a:ext uri="{FF2B5EF4-FFF2-40B4-BE49-F238E27FC236}">
+                <a16:creationId xmlns:a16="http://schemas.microsoft.com/office/drawing/2014/main" id="{0B4263AE-8E42-95A4-7955-959100952955}"/>
+              </a:ext>
+            </a:extLst>
+          </p:cNvPr>
+          <p:cNvSpPr/>
+          <p:nvPr/>
+        </p:nvSpPr>
+        <p:spPr>
+          <a:xfrm>
+            <a:off x="12477159" y="7565112"/>
+            <a:ext cx="2085278" cy="653392"/>
+          </a:xfrm>
+          <a:prstGeom prst="rect">
+            <a:avLst/>
+          </a:prstGeom>
+          <a:ln>
+            <a:solidFill>
+              <a:schemeClr val="bg1"/>
+            </a:solidFill>
+          </a:ln>
+        </p:spPr>
+        <p:style>
+          <a:lnRef idx="2">
+            <a:schemeClr val="accent6"/>
+          </a:lnRef>
+          <a:fillRef idx="1">
+            <a:schemeClr val="lt1"/>
+          </a:fillRef>
+          <a:effectRef idx="0">
+            <a:schemeClr val="accent6"/>
+          </a:effectRef>
+          <a:fontRef idx="minor">
+            <a:schemeClr val="dk1"/>
+          </a:fontRef>
+        </p:style>
+        <p:txBody>
+          <a:bodyPr rtlCol="0" anchor="ctr"/>
+          <a:lstStyle/>
+          <a:p>
+            <a:pPr algn="ctr"/>
+            <a:endParaRPr lang="en-IN"/>
           </a:p>
         </p:txBody>
       </p:sp>
@@ -5145,6 +5219,55 @@
               <a:t>Seamless connectivity with smart home devices and systems for enhanced convenience and security.</a:t>
             </a:r>
             <a:endParaRPr lang="en-US" sz="1500" dirty="0"/>
+          </a:p>
+        </p:txBody>
+      </p:sp>
+      <p:sp>
+        <p:nvSpPr>
+          <p:cNvPr id="21" name="Rectangle 20">
+            <a:extLst>
+              <a:ext uri="{FF2B5EF4-FFF2-40B4-BE49-F238E27FC236}">
+                <a16:creationId xmlns:a16="http://schemas.microsoft.com/office/drawing/2014/main" id="{DBD78A9D-ED90-B98D-FDFB-D899A7AF96BA}"/>
+              </a:ext>
+            </a:extLst>
+          </p:cNvPr>
+          <p:cNvSpPr/>
+          <p:nvPr/>
+        </p:nvSpPr>
+        <p:spPr>
+          <a:xfrm>
+            <a:off x="12667785" y="7694176"/>
+            <a:ext cx="1962615" cy="466844"/>
+          </a:xfrm>
+          <a:prstGeom prst="rect">
+            <a:avLst/>
+          </a:prstGeom>
+          <a:ln>
+            <a:solidFill>
+              <a:schemeClr val="bg1"/>
+            </a:solidFill>
+          </a:ln>
+        </p:spPr>
+        <p:style>
+          <a:lnRef idx="2">
+            <a:schemeClr val="accent6"/>
+          </a:lnRef>
+          <a:fillRef idx="1">
+            <a:schemeClr val="lt1"/>
+          </a:fillRef>
+          <a:effectRef idx="0">
+            <a:schemeClr val="accent6"/>
+          </a:effectRef>
+          <a:fontRef idx="minor">
+            <a:schemeClr val="dk1"/>
+          </a:fontRef>
+        </p:style>
+        <p:txBody>
+          <a:bodyPr rtlCol="0" anchor="ctr"/>
+          <a:lstStyle/>
+          <a:p>
+            <a:pPr algn="ctr"/>
+            <a:endParaRPr lang="en-IN"/>
           </a:p>
         </p:txBody>
       </p:sp>
